--- a/slides/Lecture02.pptx
+++ b/slides/Lecture02.pptx
@@ -7293,14 +7293,14 @@
           <a:effectLst/>
           <a:extLst>
             <a:ext uri="{909E8E84-426E-40dd-AFC4-6F175D3DCCD1}">
-              <a14:hiddenFill xmlns="" xmlns:a14="http://schemas.microsoft.com/office/drawing/2010/main">
+              <a14:hiddenFill xmlns:a14="http://schemas.microsoft.com/office/drawing/2010/main" xmlns="">
                 <a:solidFill>
                   <a:schemeClr val="accent1"/>
                 </a:solidFill>
               </a14:hiddenFill>
             </a:ext>
             <a:ext uri="{91240B29-F687-4f45-9708-019B960494DF}">
-              <a14:hiddenLine xmlns="" xmlns:a14="http://schemas.microsoft.com/office/drawing/2010/main" w="9525">
+              <a14:hiddenLine xmlns:a14="http://schemas.microsoft.com/office/drawing/2010/main" xmlns="" w="9525">
                 <a:solidFill>
                   <a:schemeClr val="tx1"/>
                 </a:solidFill>
@@ -7310,7 +7310,7 @@
               </a14:hiddenLine>
             </a:ext>
             <a:ext uri="{AF507438-7753-43e0-B8FC-AC1667EBCBE1}">
-              <a14:hiddenEffects xmlns="" xmlns:a14="http://schemas.microsoft.com/office/drawing/2010/main">
+              <a14:hiddenEffects xmlns:a14="http://schemas.microsoft.com/office/drawing/2010/main" xmlns="">
                 <a:effectLst>
                   <a:outerShdw blurRad="63500" dist="38099" dir="2700000" algn="ctr" rotWithShape="0">
                     <a:schemeClr val="bg2">
@@ -7369,14 +7369,14 @@
           <a:effectLst/>
           <a:extLst>
             <a:ext uri="{909E8E84-426E-40dd-AFC4-6F175D3DCCD1}">
-              <a14:hiddenFill xmlns="" xmlns:a14="http://schemas.microsoft.com/office/drawing/2010/main">
+              <a14:hiddenFill xmlns:a14="http://schemas.microsoft.com/office/drawing/2010/main" xmlns="">
                 <a:solidFill>
                   <a:schemeClr val="accent1"/>
                 </a:solidFill>
               </a14:hiddenFill>
             </a:ext>
             <a:ext uri="{91240B29-F687-4f45-9708-019B960494DF}">
-              <a14:hiddenLine xmlns="" xmlns:a14="http://schemas.microsoft.com/office/drawing/2010/main" w="9525">
+              <a14:hiddenLine xmlns:a14="http://schemas.microsoft.com/office/drawing/2010/main" xmlns="" w="9525">
                 <a:solidFill>
                   <a:schemeClr val="tx1"/>
                 </a:solidFill>
@@ -7386,7 +7386,7 @@
               </a14:hiddenLine>
             </a:ext>
             <a:ext uri="{AF507438-7753-43e0-B8FC-AC1667EBCBE1}">
-              <a14:hiddenEffects xmlns="" xmlns:a14="http://schemas.microsoft.com/office/drawing/2010/main">
+              <a14:hiddenEffects xmlns:a14="http://schemas.microsoft.com/office/drawing/2010/main" xmlns="">
                 <a:effectLst>
                   <a:outerShdw blurRad="63500" dist="38099" dir="2700000" algn="ctr" rotWithShape="0">
                     <a:schemeClr val="bg2">
@@ -7447,7 +7447,7 @@
           <a:noFill/>
           <a:extLst>
             <a:ext uri="{909E8E84-426E-40dd-AFC4-6F175D3DCCD1}">
-              <a14:hiddenFill xmlns="" xmlns:a14="http://schemas.microsoft.com/office/drawing/2010/main">
+              <a14:hiddenFill xmlns:a14="http://schemas.microsoft.com/office/drawing/2010/main" xmlns="">
                 <a:solidFill>
                   <a:srgbClr val="FFFFFF"/>
                 </a:solidFill>
@@ -8638,14 +8638,14 @@
           <a:effectLst/>
           <a:extLst>
             <a:ext uri="{909E8E84-426E-40dd-AFC4-6F175D3DCCD1}">
-              <a14:hiddenFill xmlns="" xmlns:a14="http://schemas.microsoft.com/office/drawing/2010/main">
+              <a14:hiddenFill xmlns:a14="http://schemas.microsoft.com/office/drawing/2010/main" xmlns="">
                 <a:solidFill>
                   <a:schemeClr val="accent1"/>
                 </a:solidFill>
               </a14:hiddenFill>
             </a:ext>
             <a:ext uri="{91240B29-F687-4f45-9708-019B960494DF}">
-              <a14:hiddenLine xmlns="" xmlns:a14="http://schemas.microsoft.com/office/drawing/2010/main" w="9525">
+              <a14:hiddenLine xmlns:a14="http://schemas.microsoft.com/office/drawing/2010/main" xmlns="" w="9525">
                 <a:solidFill>
                   <a:schemeClr val="tx1"/>
                 </a:solidFill>
@@ -8655,7 +8655,7 @@
               </a14:hiddenLine>
             </a:ext>
             <a:ext uri="{AF507438-7753-43e0-B8FC-AC1667EBCBE1}">
-              <a14:hiddenEffects xmlns="" xmlns:a14="http://schemas.microsoft.com/office/drawing/2010/main">
+              <a14:hiddenEffects xmlns:a14="http://schemas.microsoft.com/office/drawing/2010/main" xmlns="">
                 <a:effectLst>
                   <a:outerShdw blurRad="63500" dist="38099" dir="2700000" algn="ctr" rotWithShape="0">
                     <a:schemeClr val="bg2">
@@ -8735,7 +8735,7 @@
           <a:effectLst/>
           <a:extLst>
             <a:ext uri="{91240B29-F687-4f45-9708-019B960494DF}">
-              <a14:hiddenLine xmlns="" xmlns:a14="http://schemas.microsoft.com/office/drawing/2010/main" w="12700">
+              <a14:hiddenLine xmlns:a14="http://schemas.microsoft.com/office/drawing/2010/main" xmlns="" w="12700">
                 <a:solidFill>
                   <a:schemeClr val="tx1"/>
                 </a:solidFill>
@@ -8745,7 +8745,7 @@
               </a14:hiddenLine>
             </a:ext>
             <a:ext uri="{AF507438-7753-43e0-B8FC-AC1667EBCBE1}">
-              <a14:hiddenEffects xmlns="" xmlns:a14="http://schemas.microsoft.com/office/drawing/2010/main">
+              <a14:hiddenEffects xmlns:a14="http://schemas.microsoft.com/office/drawing/2010/main" xmlns="">
                 <a:effectLst>
                   <a:outerShdw blurRad="63500" dist="38099" dir="2700000" algn="ctr" rotWithShape="0">
                     <a:schemeClr val="bg2">
@@ -8795,7 +8795,7 @@
           <a:noFill/>
           <a:extLst>
             <a:ext uri="{909E8E84-426E-40dd-AFC4-6F175D3DCCD1}">
-              <a14:hiddenFill xmlns="" xmlns:a14="http://schemas.microsoft.com/office/drawing/2010/main">
+              <a14:hiddenFill xmlns:a14="http://schemas.microsoft.com/office/drawing/2010/main" xmlns="">
                 <a:solidFill>
                   <a:srgbClr val="FFFFFF"/>
                 </a:solidFill>
@@ -9054,14 +9054,14 @@
           <a:effectLst/>
           <a:extLst>
             <a:ext uri="{909E8E84-426E-40dd-AFC4-6F175D3DCCD1}">
-              <a14:hiddenFill xmlns="" xmlns:a14="http://schemas.microsoft.com/office/drawing/2010/main">
+              <a14:hiddenFill xmlns:a14="http://schemas.microsoft.com/office/drawing/2010/main" xmlns="">
                 <a:solidFill>
                   <a:schemeClr val="accent1"/>
                 </a:solidFill>
               </a14:hiddenFill>
             </a:ext>
             <a:ext uri="{91240B29-F687-4f45-9708-019B960494DF}">
-              <a14:hiddenLine xmlns="" xmlns:a14="http://schemas.microsoft.com/office/drawing/2010/main" w="9525">
+              <a14:hiddenLine xmlns:a14="http://schemas.microsoft.com/office/drawing/2010/main" xmlns="" w="9525">
                 <a:solidFill>
                   <a:schemeClr val="tx1"/>
                 </a:solidFill>
@@ -9071,7 +9071,7 @@
               </a14:hiddenLine>
             </a:ext>
             <a:ext uri="{AF507438-7753-43e0-B8FC-AC1667EBCBE1}">
-              <a14:hiddenEffects xmlns="" xmlns:a14="http://schemas.microsoft.com/office/drawing/2010/main">
+              <a14:hiddenEffects xmlns:a14="http://schemas.microsoft.com/office/drawing/2010/main" xmlns="">
                 <a:effectLst>
                   <a:outerShdw blurRad="63500" dist="38099" dir="2700000" algn="ctr" rotWithShape="0">
                     <a:schemeClr val="bg2">
@@ -9130,14 +9130,14 @@
           <a:effectLst/>
           <a:extLst>
             <a:ext uri="{909E8E84-426E-40dd-AFC4-6F175D3DCCD1}">
-              <a14:hiddenFill xmlns="" xmlns:a14="http://schemas.microsoft.com/office/drawing/2010/main">
+              <a14:hiddenFill xmlns:a14="http://schemas.microsoft.com/office/drawing/2010/main" xmlns="">
                 <a:solidFill>
                   <a:schemeClr val="accent1"/>
                 </a:solidFill>
               </a14:hiddenFill>
             </a:ext>
             <a:ext uri="{91240B29-F687-4f45-9708-019B960494DF}">
-              <a14:hiddenLine xmlns="" xmlns:a14="http://schemas.microsoft.com/office/drawing/2010/main" w="9525">
+              <a14:hiddenLine xmlns:a14="http://schemas.microsoft.com/office/drawing/2010/main" xmlns="" w="9525">
                 <a:solidFill>
                   <a:schemeClr val="tx1"/>
                 </a:solidFill>
@@ -9147,7 +9147,7 @@
               </a14:hiddenLine>
             </a:ext>
             <a:ext uri="{AF507438-7753-43e0-B8FC-AC1667EBCBE1}">
-              <a14:hiddenEffects xmlns="" xmlns:a14="http://schemas.microsoft.com/office/drawing/2010/main">
+              <a14:hiddenEffects xmlns:a14="http://schemas.microsoft.com/office/drawing/2010/main" xmlns="">
                 <a:effectLst>
                   <a:outerShdw blurRad="63500" dist="38099" dir="2700000" algn="ctr" rotWithShape="0">
                     <a:schemeClr val="bg2">
@@ -9205,7 +9205,7 @@
           <a:noFill/>
           <a:extLst>
             <a:ext uri="{909E8E84-426E-40dd-AFC4-6F175D3DCCD1}">
-              <a14:hiddenFill xmlns="" xmlns:a14="http://schemas.microsoft.com/office/drawing/2010/main">
+              <a14:hiddenFill xmlns:a14="http://schemas.microsoft.com/office/drawing/2010/main" xmlns="">
                 <a:solidFill>
                   <a:srgbClr val="FFFFFF"/>
                 </a:solidFill>
@@ -10805,14 +10805,14 @@
           <a:effectLst/>
           <a:extLst>
             <a:ext uri="{909E8E84-426E-40dd-AFC4-6F175D3DCCD1}">
-              <a14:hiddenFill xmlns="" xmlns:a14="http://schemas.microsoft.com/office/drawing/2010/main">
+              <a14:hiddenFill xmlns:a14="http://schemas.microsoft.com/office/drawing/2010/main" xmlns="">
                 <a:solidFill>
                   <a:schemeClr val="accent1"/>
                 </a:solidFill>
               </a14:hiddenFill>
             </a:ext>
             <a:ext uri="{91240B29-F687-4f45-9708-019B960494DF}">
-              <a14:hiddenLine xmlns="" xmlns:a14="http://schemas.microsoft.com/office/drawing/2010/main" w="9525">
+              <a14:hiddenLine xmlns:a14="http://schemas.microsoft.com/office/drawing/2010/main" xmlns="" w="9525">
                 <a:solidFill>
                   <a:schemeClr val="tx1"/>
                 </a:solidFill>
@@ -10822,7 +10822,7 @@
               </a14:hiddenLine>
             </a:ext>
             <a:ext uri="{AF507438-7753-43e0-B8FC-AC1667EBCBE1}">
-              <a14:hiddenEffects xmlns="" xmlns:a14="http://schemas.microsoft.com/office/drawing/2010/main">
+              <a14:hiddenEffects xmlns:a14="http://schemas.microsoft.com/office/drawing/2010/main" xmlns="">
                 <a:effectLst>
                   <a:outerShdw blurRad="63500" dist="38099" dir="2700000" algn="ctr" rotWithShape="0">
                     <a:schemeClr val="bg2">
@@ -10889,7 +10889,7 @@
           <a:noFill/>
           <a:extLst>
             <a:ext uri="{909E8E84-426E-40dd-AFC4-6F175D3DCCD1}">
-              <a14:hiddenFill xmlns="" xmlns:a14="http://schemas.microsoft.com/office/drawing/2010/main">
+              <a14:hiddenFill xmlns:a14="http://schemas.microsoft.com/office/drawing/2010/main" xmlns="">
                 <a:solidFill>
                   <a:srgbClr val="FFFFFF"/>
                 </a:solidFill>
@@ -11235,7 +11235,7 @@
           <a:noFill/>
           <a:extLst>
             <a:ext uri="{909E8E84-426E-40dd-AFC4-6F175D3DCCD1}">
-              <a14:hiddenFill xmlns="" xmlns:a14="http://schemas.microsoft.com/office/drawing/2010/main">
+              <a14:hiddenFill xmlns:a14="http://schemas.microsoft.com/office/drawing/2010/main" xmlns="">
                 <a:solidFill>
                   <a:srgbClr val="FFFFFF"/>
                 </a:solidFill>
@@ -11267,14 +11267,14 @@
           <a:effectLst/>
           <a:extLst>
             <a:ext uri="{909E8E84-426E-40dd-AFC4-6F175D3DCCD1}">
-              <a14:hiddenFill xmlns="" xmlns:a14="http://schemas.microsoft.com/office/drawing/2010/main">
+              <a14:hiddenFill xmlns:a14="http://schemas.microsoft.com/office/drawing/2010/main" xmlns="">
                 <a:solidFill>
                   <a:schemeClr val="accent1"/>
                 </a:solidFill>
               </a14:hiddenFill>
             </a:ext>
             <a:ext uri="{91240B29-F687-4f45-9708-019B960494DF}">
-              <a14:hiddenLine xmlns="" xmlns:a14="http://schemas.microsoft.com/office/drawing/2010/main" w="9525">
+              <a14:hiddenLine xmlns:a14="http://schemas.microsoft.com/office/drawing/2010/main" xmlns="" w="9525">
                 <a:solidFill>
                   <a:schemeClr val="tx1"/>
                 </a:solidFill>
@@ -11284,7 +11284,7 @@
               </a14:hiddenLine>
             </a:ext>
             <a:ext uri="{AF507438-7753-43e0-B8FC-AC1667EBCBE1}">
-              <a14:hiddenEffects xmlns="" xmlns:a14="http://schemas.microsoft.com/office/drawing/2010/main">
+              <a14:hiddenEffects xmlns:a14="http://schemas.microsoft.com/office/drawing/2010/main" xmlns="">
                 <a:effectLst>
                   <a:outerShdw blurRad="63500" dist="38099" dir="2700000" algn="ctr" rotWithShape="0">
                     <a:schemeClr val="bg2">
@@ -11628,14 +11628,14 @@
           <a:effectLst/>
           <a:extLst>
             <a:ext uri="{909E8E84-426E-40dd-AFC4-6F175D3DCCD1}">
-              <a14:hiddenFill xmlns="" xmlns:a14="http://schemas.microsoft.com/office/drawing/2010/main">
+              <a14:hiddenFill xmlns:a14="http://schemas.microsoft.com/office/drawing/2010/main" xmlns="">
                 <a:solidFill>
                   <a:schemeClr val="accent1"/>
                 </a:solidFill>
               </a14:hiddenFill>
             </a:ext>
             <a:ext uri="{91240B29-F687-4f45-9708-019B960494DF}">
-              <a14:hiddenLine xmlns="" xmlns:a14="http://schemas.microsoft.com/office/drawing/2010/main" w="9525">
+              <a14:hiddenLine xmlns:a14="http://schemas.microsoft.com/office/drawing/2010/main" xmlns="" w="9525">
                 <a:solidFill>
                   <a:schemeClr val="tx1"/>
                 </a:solidFill>
@@ -11645,7 +11645,7 @@
               </a14:hiddenLine>
             </a:ext>
             <a:ext uri="{AF507438-7753-43e0-B8FC-AC1667EBCBE1}">
-              <a14:hiddenEffects xmlns="" xmlns:a14="http://schemas.microsoft.com/office/drawing/2010/main">
+              <a14:hiddenEffects xmlns:a14="http://schemas.microsoft.com/office/drawing/2010/main" xmlns="">
                 <a:effectLst>
                   <a:outerShdw blurRad="63500" dist="38099" dir="2700000" algn="ctr" rotWithShape="0">
                     <a:schemeClr val="bg2">
@@ -11704,14 +11704,14 @@
           <a:effectLst/>
           <a:extLst>
             <a:ext uri="{909E8E84-426E-40dd-AFC4-6F175D3DCCD1}">
-              <a14:hiddenFill xmlns="" xmlns:a14="http://schemas.microsoft.com/office/drawing/2010/main">
+              <a14:hiddenFill xmlns:a14="http://schemas.microsoft.com/office/drawing/2010/main" xmlns="">
                 <a:solidFill>
                   <a:schemeClr val="accent1"/>
                 </a:solidFill>
               </a14:hiddenFill>
             </a:ext>
             <a:ext uri="{91240B29-F687-4f45-9708-019B960494DF}">
-              <a14:hiddenLine xmlns="" xmlns:a14="http://schemas.microsoft.com/office/drawing/2010/main" w="9525">
+              <a14:hiddenLine xmlns:a14="http://schemas.microsoft.com/office/drawing/2010/main" xmlns="" w="9525">
                 <a:solidFill>
                   <a:schemeClr val="tx1"/>
                 </a:solidFill>
@@ -11721,7 +11721,7 @@
               </a14:hiddenLine>
             </a:ext>
             <a:ext uri="{AF507438-7753-43e0-B8FC-AC1667EBCBE1}">
-              <a14:hiddenEffects xmlns="" xmlns:a14="http://schemas.microsoft.com/office/drawing/2010/main">
+              <a14:hiddenEffects xmlns:a14="http://schemas.microsoft.com/office/drawing/2010/main" xmlns="">
                 <a:effectLst>
                   <a:outerShdw blurRad="63500" dist="38099" dir="2700000" algn="ctr" rotWithShape="0">
                     <a:schemeClr val="bg2">
@@ -11788,7 +11788,7 @@
           <a:noFill/>
           <a:extLst>
             <a:ext uri="{909E8E84-426E-40dd-AFC4-6F175D3DCCD1}">
-              <a14:hiddenFill xmlns="" xmlns:a14="http://schemas.microsoft.com/office/drawing/2010/main">
+              <a14:hiddenFill xmlns:a14="http://schemas.microsoft.com/office/drawing/2010/main" xmlns="">
                 <a:solidFill>
                   <a:srgbClr val="FFFFFF"/>
                 </a:solidFill>
@@ -12396,14 +12396,14 @@
           <a:effectLst/>
           <a:extLst>
             <a:ext uri="{909E8E84-426E-40dd-AFC4-6F175D3DCCD1}">
-              <a14:hiddenFill xmlns="" xmlns:a14="http://schemas.microsoft.com/office/drawing/2010/main">
+              <a14:hiddenFill xmlns:a14="http://schemas.microsoft.com/office/drawing/2010/main" xmlns="">
                 <a:solidFill>
                   <a:schemeClr val="accent1"/>
                 </a:solidFill>
               </a14:hiddenFill>
             </a:ext>
             <a:ext uri="{91240B29-F687-4f45-9708-019B960494DF}">
-              <a14:hiddenLine xmlns="" xmlns:a14="http://schemas.microsoft.com/office/drawing/2010/main" w="9525">
+              <a14:hiddenLine xmlns:a14="http://schemas.microsoft.com/office/drawing/2010/main" xmlns="" w="9525">
                 <a:solidFill>
                   <a:schemeClr val="tx1"/>
                 </a:solidFill>
@@ -12413,7 +12413,7 @@
               </a14:hiddenLine>
             </a:ext>
             <a:ext uri="{AF507438-7753-43e0-B8FC-AC1667EBCBE1}">
-              <a14:hiddenEffects xmlns="" xmlns:a14="http://schemas.microsoft.com/office/drawing/2010/main">
+              <a14:hiddenEffects xmlns:a14="http://schemas.microsoft.com/office/drawing/2010/main" xmlns="">
                 <a:effectLst>
                   <a:outerShdw blurRad="63500" dist="38099" dir="2700000" algn="ctr" rotWithShape="0">
                     <a:schemeClr val="bg2">
@@ -12462,14 +12462,14 @@
           <a:effectLst/>
           <a:extLst>
             <a:ext uri="{909E8E84-426E-40dd-AFC4-6F175D3DCCD1}">
-              <a14:hiddenFill xmlns="" xmlns:a14="http://schemas.microsoft.com/office/drawing/2010/main">
+              <a14:hiddenFill xmlns:a14="http://schemas.microsoft.com/office/drawing/2010/main" xmlns="">
                 <a:solidFill>
                   <a:schemeClr val="accent1"/>
                 </a:solidFill>
               </a14:hiddenFill>
             </a:ext>
             <a:ext uri="{91240B29-F687-4f45-9708-019B960494DF}">
-              <a14:hiddenLine xmlns="" xmlns:a14="http://schemas.microsoft.com/office/drawing/2010/main" w="9525">
+              <a14:hiddenLine xmlns:a14="http://schemas.microsoft.com/office/drawing/2010/main" xmlns="" w="9525">
                 <a:solidFill>
                   <a:schemeClr val="tx1"/>
                 </a:solidFill>
@@ -12479,7 +12479,7 @@
               </a14:hiddenLine>
             </a:ext>
             <a:ext uri="{AF507438-7753-43e0-B8FC-AC1667EBCBE1}">
-              <a14:hiddenEffects xmlns="" xmlns:a14="http://schemas.microsoft.com/office/drawing/2010/main">
+              <a14:hiddenEffects xmlns:a14="http://schemas.microsoft.com/office/drawing/2010/main" xmlns="">
                 <a:effectLst>
                   <a:outerShdw blurRad="63500" dist="38099" dir="2700000" algn="ctr" rotWithShape="0">
                     <a:schemeClr val="bg2">
@@ -12551,7 +12551,7 @@
           <a:noFill/>
           <a:extLst>
             <a:ext uri="{909E8E84-426E-40dd-AFC4-6F175D3DCCD1}">
-              <a14:hiddenFill xmlns="" xmlns:a14="http://schemas.microsoft.com/office/drawing/2010/main">
+              <a14:hiddenFill xmlns:a14="http://schemas.microsoft.com/office/drawing/2010/main" xmlns="">
                 <a:solidFill>
                   <a:srgbClr val="FFFFFF"/>
                 </a:solidFill>
@@ -13934,14 +13934,14 @@
           <a:effectLst/>
           <a:extLst>
             <a:ext uri="{909E8E84-426E-40dd-AFC4-6F175D3DCCD1}">
-              <a14:hiddenFill xmlns="" xmlns:a14="http://schemas.microsoft.com/office/drawing/2010/main">
+              <a14:hiddenFill xmlns:a14="http://schemas.microsoft.com/office/drawing/2010/main" xmlns="">
                 <a:solidFill>
                   <a:schemeClr val="accent1"/>
                 </a:solidFill>
               </a14:hiddenFill>
             </a:ext>
             <a:ext uri="{91240B29-F687-4f45-9708-019B960494DF}">
-              <a14:hiddenLine xmlns="" xmlns:a14="http://schemas.microsoft.com/office/drawing/2010/main" w="9525">
+              <a14:hiddenLine xmlns:a14="http://schemas.microsoft.com/office/drawing/2010/main" xmlns="" w="9525">
                 <a:solidFill>
                   <a:schemeClr val="tx1"/>
                 </a:solidFill>
@@ -13951,7 +13951,7 @@
               </a14:hiddenLine>
             </a:ext>
             <a:ext uri="{AF507438-7753-43e0-B8FC-AC1667EBCBE1}">
-              <a14:hiddenEffects xmlns="" xmlns:a14="http://schemas.microsoft.com/office/drawing/2010/main">
+              <a14:hiddenEffects xmlns:a14="http://schemas.microsoft.com/office/drawing/2010/main" xmlns="">
                 <a:effectLst>
                   <a:outerShdw blurRad="63500" dist="38099" dir="2700000" algn="ctr" rotWithShape="0">
                     <a:schemeClr val="bg2">
@@ -14003,14 +14003,14 @@
           <a:effectLst/>
           <a:extLst>
             <a:ext uri="{909E8E84-426E-40dd-AFC4-6F175D3DCCD1}">
-              <a14:hiddenFill xmlns="" xmlns:a14="http://schemas.microsoft.com/office/drawing/2010/main">
+              <a14:hiddenFill xmlns:a14="http://schemas.microsoft.com/office/drawing/2010/main" xmlns="">
                 <a:solidFill>
                   <a:schemeClr val="accent1"/>
                 </a:solidFill>
               </a14:hiddenFill>
             </a:ext>
             <a:ext uri="{91240B29-F687-4f45-9708-019B960494DF}">
-              <a14:hiddenLine xmlns="" xmlns:a14="http://schemas.microsoft.com/office/drawing/2010/main" w="9525">
+              <a14:hiddenLine xmlns:a14="http://schemas.microsoft.com/office/drawing/2010/main" xmlns="" w="9525">
                 <a:solidFill>
                   <a:schemeClr val="tx1"/>
                 </a:solidFill>
@@ -14020,7 +14020,7 @@
               </a14:hiddenLine>
             </a:ext>
             <a:ext uri="{AF507438-7753-43e0-B8FC-AC1667EBCBE1}">
-              <a14:hiddenEffects xmlns="" xmlns:a14="http://schemas.microsoft.com/office/drawing/2010/main">
+              <a14:hiddenEffects xmlns:a14="http://schemas.microsoft.com/office/drawing/2010/main" xmlns="">
                 <a:effectLst>
                   <a:outerShdw blurRad="63500" dist="38099" dir="2700000" algn="ctr" rotWithShape="0">
                     <a:schemeClr val="bg2">
@@ -14088,7 +14088,7 @@
           <a:noFill/>
           <a:extLst>
             <a:ext uri="{909E8E84-426E-40dd-AFC4-6F175D3DCCD1}">
-              <a14:hiddenFill xmlns="" xmlns:a14="http://schemas.microsoft.com/office/drawing/2010/main">
+              <a14:hiddenFill xmlns:a14="http://schemas.microsoft.com/office/drawing/2010/main" xmlns="">
                 <a:solidFill>
                   <a:srgbClr val="FFFFFF"/>
                 </a:solidFill>
@@ -14576,14 +14576,14 @@
           <a:effectLst/>
           <a:extLst>
             <a:ext uri="{909E8E84-426E-40dd-AFC4-6F175D3DCCD1}">
-              <a14:hiddenFill xmlns="" xmlns:a14="http://schemas.microsoft.com/office/drawing/2010/main">
+              <a14:hiddenFill xmlns:a14="http://schemas.microsoft.com/office/drawing/2010/main" xmlns="">
                 <a:solidFill>
                   <a:schemeClr val="accent1"/>
                 </a:solidFill>
               </a14:hiddenFill>
             </a:ext>
             <a:ext uri="{91240B29-F687-4f45-9708-019B960494DF}">
-              <a14:hiddenLine xmlns="" xmlns:a14="http://schemas.microsoft.com/office/drawing/2010/main" w="9525">
+              <a14:hiddenLine xmlns:a14="http://schemas.microsoft.com/office/drawing/2010/main" xmlns="" w="9525">
                 <a:solidFill>
                   <a:schemeClr val="tx1"/>
                 </a:solidFill>
@@ -14593,7 +14593,7 @@
               </a14:hiddenLine>
             </a:ext>
             <a:ext uri="{AF507438-7753-43e0-B8FC-AC1667EBCBE1}">
-              <a14:hiddenEffects xmlns="" xmlns:a14="http://schemas.microsoft.com/office/drawing/2010/main">
+              <a14:hiddenEffects xmlns:a14="http://schemas.microsoft.com/office/drawing/2010/main" xmlns="">
                 <a:effectLst>
                   <a:outerShdw blurRad="63500" dist="38099" dir="2700000" algn="ctr" rotWithShape="0">
                     <a:schemeClr val="bg2">
@@ -14659,14 +14659,14 @@
           <a:effectLst/>
           <a:extLst>
             <a:ext uri="{909E8E84-426E-40dd-AFC4-6F175D3DCCD1}">
-              <a14:hiddenFill xmlns="" xmlns:a14="http://schemas.microsoft.com/office/drawing/2010/main">
+              <a14:hiddenFill xmlns:a14="http://schemas.microsoft.com/office/drawing/2010/main" xmlns="">
                 <a:solidFill>
                   <a:schemeClr val="accent1"/>
                 </a:solidFill>
               </a14:hiddenFill>
             </a:ext>
             <a:ext uri="{91240B29-F687-4f45-9708-019B960494DF}">
-              <a14:hiddenLine xmlns="" xmlns:a14="http://schemas.microsoft.com/office/drawing/2010/main" w="9525">
+              <a14:hiddenLine xmlns:a14="http://schemas.microsoft.com/office/drawing/2010/main" xmlns="" w="9525">
                 <a:solidFill>
                   <a:schemeClr val="tx1"/>
                 </a:solidFill>
@@ -14676,7 +14676,7 @@
               </a14:hiddenLine>
             </a:ext>
             <a:ext uri="{AF507438-7753-43e0-B8FC-AC1667EBCBE1}">
-              <a14:hiddenEffects xmlns="" xmlns:a14="http://schemas.microsoft.com/office/drawing/2010/main">
+              <a14:hiddenEffects xmlns:a14="http://schemas.microsoft.com/office/drawing/2010/main" xmlns="">
                 <a:effectLst>
                   <a:outerShdw blurRad="63500" dist="38099" dir="2700000" algn="ctr" rotWithShape="0">
                     <a:schemeClr val="bg2">
@@ -14737,7 +14737,7 @@
           <a:noFill/>
           <a:extLst>
             <a:ext uri="{909E8E84-426E-40dd-AFC4-6F175D3DCCD1}">
-              <a14:hiddenFill xmlns="" xmlns:a14="http://schemas.microsoft.com/office/drawing/2010/main">
+              <a14:hiddenFill xmlns:a14="http://schemas.microsoft.com/office/drawing/2010/main" xmlns="">
                 <a:solidFill>
                   <a:srgbClr val="FFFFFF"/>
                 </a:solidFill>
@@ -14969,14 +14969,14 @@
           <a:effectLst/>
           <a:extLst>
             <a:ext uri="{909E8E84-426E-40dd-AFC4-6F175D3DCCD1}">
-              <a14:hiddenFill xmlns="" xmlns:a14="http://schemas.microsoft.com/office/drawing/2010/main">
+              <a14:hiddenFill xmlns:a14="http://schemas.microsoft.com/office/drawing/2010/main" xmlns="">
                 <a:solidFill>
                   <a:schemeClr val="accent1"/>
                 </a:solidFill>
               </a14:hiddenFill>
             </a:ext>
             <a:ext uri="{91240B29-F687-4f45-9708-019B960494DF}">
-              <a14:hiddenLine xmlns="" xmlns:a14="http://schemas.microsoft.com/office/drawing/2010/main" w="9525">
+              <a14:hiddenLine xmlns:a14="http://schemas.microsoft.com/office/drawing/2010/main" xmlns="" w="9525">
                 <a:solidFill>
                   <a:schemeClr val="tx1"/>
                 </a:solidFill>
@@ -14986,7 +14986,7 @@
               </a14:hiddenLine>
             </a:ext>
             <a:ext uri="{AF507438-7753-43e0-B8FC-AC1667EBCBE1}">
-              <a14:hiddenEffects xmlns="" xmlns:a14="http://schemas.microsoft.com/office/drawing/2010/main">
+              <a14:hiddenEffects xmlns:a14="http://schemas.microsoft.com/office/drawing/2010/main" xmlns="">
                 <a:effectLst>
                   <a:outerShdw blurRad="63500" dist="38099" dir="2700000" algn="ctr" rotWithShape="0">
                     <a:schemeClr val="bg2">
@@ -15062,14 +15062,14 @@
           <a:effectLst/>
           <a:extLst>
             <a:ext uri="{909E8E84-426E-40dd-AFC4-6F175D3DCCD1}">
-              <a14:hiddenFill xmlns="" xmlns:a14="http://schemas.microsoft.com/office/drawing/2010/main">
+              <a14:hiddenFill xmlns:a14="http://schemas.microsoft.com/office/drawing/2010/main" xmlns="">
                 <a:solidFill>
                   <a:schemeClr val="accent1"/>
                 </a:solidFill>
               </a14:hiddenFill>
             </a:ext>
             <a:ext uri="{91240B29-F687-4f45-9708-019B960494DF}">
-              <a14:hiddenLine xmlns="" xmlns:a14="http://schemas.microsoft.com/office/drawing/2010/main" w="9525">
+              <a14:hiddenLine xmlns:a14="http://schemas.microsoft.com/office/drawing/2010/main" xmlns="" w="9525">
                 <a:solidFill>
                   <a:schemeClr val="tx1"/>
                 </a:solidFill>
@@ -15079,7 +15079,7 @@
               </a14:hiddenLine>
             </a:ext>
             <a:ext uri="{AF507438-7753-43e0-B8FC-AC1667EBCBE1}">
-              <a14:hiddenEffects xmlns="" xmlns:a14="http://schemas.microsoft.com/office/drawing/2010/main">
+              <a14:hiddenEffects xmlns:a14="http://schemas.microsoft.com/office/drawing/2010/main" xmlns="">
                 <a:effectLst>
                   <a:outerShdw blurRad="63500" dist="38099" dir="2700000" algn="ctr" rotWithShape="0">
                     <a:schemeClr val="bg2">
@@ -15146,7 +15146,7 @@
           <a:noFill/>
           <a:extLst>
             <a:ext uri="{909E8E84-426E-40dd-AFC4-6F175D3DCCD1}">
-              <a14:hiddenFill xmlns="" xmlns:a14="http://schemas.microsoft.com/office/drawing/2010/main">
+              <a14:hiddenFill xmlns:a14="http://schemas.microsoft.com/office/drawing/2010/main" xmlns="">
                 <a:solidFill>
                   <a:srgbClr val="FFFFFF"/>
                 </a:solidFill>

--- a/slides/Lecture02.pptx
+++ b/slides/Lecture02.pptx
@@ -236,7 +236,7 @@
           <a:p>
             <a:fld id="{9B76BEED-DF9C-1A44-AA9A-E917AAEDB26F}" type="datetimeFigureOut">
               <a:rPr lang="en-US" smtClean="0"/>
-              <a:t>8/30/18</a:t>
+              <a:t>9/6/18</a:t>
             </a:fld>
             <a:endParaRPr lang="en-US"/>
           </a:p>
@@ -402,7 +402,7 @@
           <a:p>
             <a:fld id="{21727DB9-44F7-CE42-9AB8-318282F70AED}" type="datetimeFigureOut">
               <a:rPr lang="en-US" smtClean="0"/>
-              <a:t>8/30/18</a:t>
+              <a:t>9/6/18</a:t>
             </a:fld>
             <a:endParaRPr lang="en-US"/>
           </a:p>
@@ -2242,7 +2242,7 @@
           <a:p>
             <a:fld id="{549D252B-7345-8144-8F9A-ABB79F1851FE}" type="datetime1">
               <a:rPr lang="en-US" smtClean="0"/>
-              <a:t>8/30/18</a:t>
+              <a:t>9/6/18</a:t>
             </a:fld>
             <a:endParaRPr lang="en-US"/>
           </a:p>
@@ -2424,7 +2424,7 @@
           <a:p>
             <a:fld id="{E529FCCE-2F91-7C41-86D6-AC9BED4671BF}" type="datetime1">
               <a:rPr lang="en-US" smtClean="0"/>
-              <a:t>8/30/18</a:t>
+              <a:t>9/6/18</a:t>
             </a:fld>
             <a:endParaRPr lang="en-US"/>
           </a:p>
@@ -2611,7 +2611,7 @@
           <a:p>
             <a:fld id="{9E7D573D-20C5-184D-9B03-E5525C0E7E32}" type="datetime1">
               <a:rPr lang="en-US" smtClean="0"/>
-              <a:t>8/30/18</a:t>
+              <a:t>9/6/18</a:t>
             </a:fld>
             <a:endParaRPr lang="en-US"/>
           </a:p>
@@ -2767,7 +2767,7 @@
           <a:p>
             <a:fld id="{C94E3762-5D8A-3A4E-B6DB-2FE9B8FB070F}" type="datetime1">
               <a:rPr lang="en-US" smtClean="0"/>
-              <a:t>8/30/18</a:t>
+              <a:t>9/6/18</a:t>
             </a:fld>
             <a:endParaRPr lang="en-US"/>
           </a:p>
@@ -3054,7 +3054,7 @@
           <a:p>
             <a:fld id="{8FEE05CB-9CD5-1641-8EE4-7B0D389DF2E1}" type="datetime1">
               <a:rPr lang="en-US" smtClean="0"/>
-              <a:t>8/30/18</a:t>
+              <a:t>9/6/18</a:t>
             </a:fld>
             <a:endParaRPr lang="en-US"/>
           </a:p>
@@ -3354,7 +3354,7 @@
           <a:p>
             <a:fld id="{CC27B479-481C-0642-A01B-8E9ECFB0A50B}" type="datetime1">
               <a:rPr lang="en-US" smtClean="0"/>
-              <a:t>8/30/18</a:t>
+              <a:t>9/6/18</a:t>
             </a:fld>
             <a:endParaRPr lang="en-US"/>
           </a:p>
@@ -3788,7 +3788,7 @@
           <a:p>
             <a:fld id="{A9CBBE0B-156A-1244-BB26-BBA0825504CD}" type="datetime1">
               <a:rPr lang="en-US" smtClean="0"/>
-              <a:t>8/30/18</a:t>
+              <a:t>9/6/18</a:t>
             </a:fld>
             <a:endParaRPr lang="en-US"/>
           </a:p>
@@ -3918,7 +3918,7 @@
           <a:p>
             <a:fld id="{5F3E6B35-BB65-EB4D-8E44-86A13F297D4C}" type="datetime1">
               <a:rPr lang="en-US" smtClean="0"/>
-              <a:t>8/30/18</a:t>
+              <a:t>9/6/18</a:t>
             </a:fld>
             <a:endParaRPr lang="en-US"/>
           </a:p>
@@ -4016,7 +4016,7 @@
           <a:p>
             <a:fld id="{52ABBB52-D186-264B-B6B8-688F4CAB6400}" type="datetime1">
               <a:rPr lang="en-US" smtClean="0"/>
-              <a:t>8/30/18</a:t>
+              <a:t>9/6/18</a:t>
             </a:fld>
             <a:endParaRPr lang="en-US"/>
           </a:p>
@@ -4299,7 +4299,7 @@
           <a:p>
             <a:fld id="{436392F3-A628-D24C-9172-815518AABAE1}" type="datetime1">
               <a:rPr lang="en-US" smtClean="0"/>
-              <a:t>8/30/18</a:t>
+              <a:t>9/6/18</a:t>
             </a:fld>
             <a:endParaRPr lang="en-US"/>
           </a:p>
@@ -4559,7 +4559,7 @@
           <a:p>
             <a:fld id="{72D1C39B-833B-E84D-8BED-7A5123F06213}" type="datetime1">
               <a:rPr lang="en-US" smtClean="0"/>
-              <a:t>8/30/18</a:t>
+              <a:t>9/6/18</a:t>
             </a:fld>
             <a:endParaRPr lang="en-US"/>
           </a:p>
@@ -4743,7 +4743,7 @@
           <a:p>
             <a:fld id="{7936155B-A5EC-DF45-BCFD-65C03B6585EE}" type="datetime1">
               <a:rPr lang="en-US" smtClean="0"/>
-              <a:t>8/30/18</a:t>
+              <a:t>9/6/18</a:t>
             </a:fld>
             <a:endParaRPr lang="en-US"/>
           </a:p>
@@ -5682,21 +5682,6 @@
             <a:pPr lvl="1"/>
             <a:r>
               <a:rPr lang="en-US" dirty="0" smtClean="0"/>
-              <a:t>Inclusive </a:t>
-            </a:r>
-            <a:r>
-              <a:rPr lang="en-US" dirty="0" err="1" smtClean="0"/>
-              <a:t>v.s</a:t>
-            </a:r>
-            <a:r>
-              <a:rPr lang="en-US" dirty="0" smtClean="0"/>
-              <a:t>. exclusive</a:t>
-            </a:r>
-          </a:p>
-          <a:p>
-            <a:pPr lvl="1"/>
-            <a:r>
-              <a:rPr lang="en-US" dirty="0" smtClean="0"/>
               <a:t>Placement (n-way set associative), replacement (pseudo-LRU)</a:t>
             </a:r>
           </a:p>
@@ -5730,7 +5715,7 @@
           <a:p>
             <a:fld id="{52ABBB52-D186-264B-B6B8-688F4CAB6400}" type="datetime1">
               <a:rPr lang="en-US" smtClean="0"/>
-              <a:t>8/30/18</a:t>
+              <a:t>9/6/18</a:t>
             </a:fld>
             <a:endParaRPr lang="en-US"/>
           </a:p>
@@ -5842,7 +5827,7 @@
         </p:nvSpPr>
         <p:spPr>
           <a:xfrm>
-            <a:off x="2823308" y="5987018"/>
+            <a:off x="2823308" y="5604119"/>
             <a:ext cx="1229160" cy="369332"/>
           </a:xfrm>
           <a:prstGeom prst="rect">
@@ -6285,37 +6270,6 @@
                                   </p:childTnLst>
                                 </p:cTn>
                               </p:par>
-                              <p:par>
-                                <p:cTn id="31" presetID="1" presetClass="entr" presetSubtype="0" fill="hold" nodeType="withEffect">
-                                  <p:stCondLst>
-                                    <p:cond delay="0"/>
-                                  </p:stCondLst>
-                                  <p:childTnLst>
-                                    <p:set>
-                                      <p:cBhvr>
-                                        <p:cTn id="32" dur="1" fill="hold">
-                                          <p:stCondLst>
-                                            <p:cond delay="0"/>
-                                          </p:stCondLst>
-                                        </p:cTn>
-                                        <p:tgtEl>
-                                          <p:spTgt spid="6">
-                                            <p:txEl>
-                                              <p:pRg st="11" end="11"/>
-                                            </p:txEl>
-                                          </p:spTgt>
-                                        </p:tgtEl>
-                                        <p:attrNameLst>
-                                          <p:attrName>style.visibility</p:attrName>
-                                        </p:attrNameLst>
-                                      </p:cBhvr>
-                                      <p:to>
-                                        <p:strVal val="visible"/>
-                                      </p:to>
-                                    </p:set>
-                                  </p:childTnLst>
-                                </p:cTn>
-                              </p:par>
                             </p:childTnLst>
                           </p:cTn>
                         </p:par>
@@ -6323,26 +6277,26 @@
                     </p:cTn>
                   </p:par>
                   <p:par>
-                    <p:cTn id="33" fill="hold">
+                    <p:cTn id="31" fill="hold">
                       <p:stCondLst>
                         <p:cond delay="indefinite"/>
                       </p:stCondLst>
                       <p:childTnLst>
                         <p:par>
-                          <p:cTn id="34" fill="hold">
+                          <p:cTn id="32" fill="hold">
                             <p:stCondLst>
                               <p:cond delay="0"/>
                             </p:stCondLst>
                             <p:childTnLst>
                               <p:par>
-                                <p:cTn id="35" presetID="1" presetClass="entr" presetSubtype="0" fill="hold" grpId="0" nodeType="clickEffect">
+                                <p:cTn id="33" presetID="1" presetClass="entr" presetSubtype="0" fill="hold" grpId="0" nodeType="clickEffect">
                                   <p:stCondLst>
                                     <p:cond delay="0"/>
                                   </p:stCondLst>
                                   <p:childTnLst>
                                     <p:set>
                                       <p:cBhvr>
-                                        <p:cTn id="36" dur="1" fill="hold">
+                                        <p:cTn id="34" dur="1" fill="hold">
                                           <p:stCondLst>
                                             <p:cond delay="0"/>
                                           </p:stCondLst>
@@ -6525,7 +6479,7 @@
           <a:p>
             <a:fld id="{C94E3762-5D8A-3A4E-B6DB-2FE9B8FB070F}" type="datetime1">
               <a:rPr lang="en-US" smtClean="0"/>
-              <a:t>8/30/18</a:t>
+              <a:t>9/6/18</a:t>
             </a:fld>
             <a:endParaRPr lang="en-US"/>
           </a:p>
@@ -6990,7 +6944,7 @@
           <a:p>
             <a:fld id="{C94E3762-5D8A-3A4E-B6DB-2FE9B8FB070F}" type="datetime1">
               <a:rPr lang="en-US" smtClean="0"/>
-              <a:t>8/30/18</a:t>
+              <a:t>9/6/18</a:t>
             </a:fld>
             <a:endParaRPr lang="en-US"/>
           </a:p>
@@ -7293,14 +7247,14 @@
           <a:effectLst/>
           <a:extLst>
             <a:ext uri="{909E8E84-426E-40dd-AFC4-6F175D3DCCD1}">
-              <a14:hiddenFill xmlns:a14="http://schemas.microsoft.com/office/drawing/2010/main" xmlns="">
+              <a14:hiddenFill xmlns="" xmlns:a14="http://schemas.microsoft.com/office/drawing/2010/main">
                 <a:solidFill>
                   <a:schemeClr val="accent1"/>
                 </a:solidFill>
               </a14:hiddenFill>
             </a:ext>
             <a:ext uri="{91240B29-F687-4f45-9708-019B960494DF}">
-              <a14:hiddenLine xmlns:a14="http://schemas.microsoft.com/office/drawing/2010/main" xmlns="" w="9525">
+              <a14:hiddenLine xmlns="" xmlns:a14="http://schemas.microsoft.com/office/drawing/2010/main" w="9525">
                 <a:solidFill>
                   <a:schemeClr val="tx1"/>
                 </a:solidFill>
@@ -7310,7 +7264,7 @@
               </a14:hiddenLine>
             </a:ext>
             <a:ext uri="{AF507438-7753-43e0-B8FC-AC1667EBCBE1}">
-              <a14:hiddenEffects xmlns:a14="http://schemas.microsoft.com/office/drawing/2010/main" xmlns="">
+              <a14:hiddenEffects xmlns="" xmlns:a14="http://schemas.microsoft.com/office/drawing/2010/main">
                 <a:effectLst>
                   <a:outerShdw blurRad="63500" dist="38099" dir="2700000" algn="ctr" rotWithShape="0">
                     <a:schemeClr val="bg2">
@@ -7369,14 +7323,14 @@
           <a:effectLst/>
           <a:extLst>
             <a:ext uri="{909E8E84-426E-40dd-AFC4-6F175D3DCCD1}">
-              <a14:hiddenFill xmlns:a14="http://schemas.microsoft.com/office/drawing/2010/main" xmlns="">
+              <a14:hiddenFill xmlns="" xmlns:a14="http://schemas.microsoft.com/office/drawing/2010/main">
                 <a:solidFill>
                   <a:schemeClr val="accent1"/>
                 </a:solidFill>
               </a14:hiddenFill>
             </a:ext>
             <a:ext uri="{91240B29-F687-4f45-9708-019B960494DF}">
-              <a14:hiddenLine xmlns:a14="http://schemas.microsoft.com/office/drawing/2010/main" xmlns="" w="9525">
+              <a14:hiddenLine xmlns="" xmlns:a14="http://schemas.microsoft.com/office/drawing/2010/main" w="9525">
                 <a:solidFill>
                   <a:schemeClr val="tx1"/>
                 </a:solidFill>
@@ -7386,7 +7340,7 @@
               </a14:hiddenLine>
             </a:ext>
             <a:ext uri="{AF507438-7753-43e0-B8FC-AC1667EBCBE1}">
-              <a14:hiddenEffects xmlns:a14="http://schemas.microsoft.com/office/drawing/2010/main" xmlns="">
+              <a14:hiddenEffects xmlns="" xmlns:a14="http://schemas.microsoft.com/office/drawing/2010/main">
                 <a:effectLst>
                   <a:outerShdw blurRad="63500" dist="38099" dir="2700000" algn="ctr" rotWithShape="0">
                     <a:schemeClr val="bg2">
@@ -7447,7 +7401,7 @@
           <a:noFill/>
           <a:extLst>
             <a:ext uri="{909E8E84-426E-40dd-AFC4-6F175D3DCCD1}">
-              <a14:hiddenFill xmlns:a14="http://schemas.microsoft.com/office/drawing/2010/main" xmlns="">
+              <a14:hiddenFill xmlns="" xmlns:a14="http://schemas.microsoft.com/office/drawing/2010/main">
                 <a:solidFill>
                   <a:srgbClr val="FFFFFF"/>
                 </a:solidFill>
@@ -7497,7 +7451,7 @@
             <a:fld id="{147A6618-DCE6-40F4-82EF-E57E973A1A3D}" type="datetime1">
               <a:rPr lang="en-US" altLang="zh-CN" smtClean="0"/>
               <a:pPr/>
-              <a:t>8/30/18</a:t>
+              <a:t>9/6/18</a:t>
             </a:fld>
             <a:endParaRPr lang="en-US"/>
           </a:p>
@@ -7799,7 +7753,7 @@
           <a:p>
             <a:fld id="{52ABBB52-D186-264B-B6B8-688F4CAB6400}" type="datetime1">
               <a:rPr lang="en-US" smtClean="0"/>
-              <a:t>8/30/18</a:t>
+              <a:t>9/6/18</a:t>
             </a:fld>
             <a:endParaRPr lang="en-US"/>
           </a:p>
@@ -8125,7 +8079,7 @@
           <a:p>
             <a:fld id="{C94E3762-5D8A-3A4E-B6DB-2FE9B8FB070F}" type="datetime1">
               <a:rPr lang="en-US" smtClean="0"/>
-              <a:t>8/30/18</a:t>
+              <a:t>9/6/18</a:t>
             </a:fld>
             <a:endParaRPr lang="en-US"/>
           </a:p>
@@ -8366,7 +8320,7 @@
           <a:p>
             <a:fld id="{C94E3762-5D8A-3A4E-B6DB-2FE9B8FB070F}" type="datetime1">
               <a:rPr lang="en-US" smtClean="0"/>
-              <a:t>8/30/18</a:t>
+              <a:t>9/6/18</a:t>
             </a:fld>
             <a:endParaRPr lang="en-US"/>
           </a:p>
@@ -8638,14 +8592,14 @@
           <a:effectLst/>
           <a:extLst>
             <a:ext uri="{909E8E84-426E-40dd-AFC4-6F175D3DCCD1}">
-              <a14:hiddenFill xmlns:a14="http://schemas.microsoft.com/office/drawing/2010/main" xmlns="">
+              <a14:hiddenFill xmlns="" xmlns:a14="http://schemas.microsoft.com/office/drawing/2010/main">
                 <a:solidFill>
                   <a:schemeClr val="accent1"/>
                 </a:solidFill>
               </a14:hiddenFill>
             </a:ext>
             <a:ext uri="{91240B29-F687-4f45-9708-019B960494DF}">
-              <a14:hiddenLine xmlns:a14="http://schemas.microsoft.com/office/drawing/2010/main" xmlns="" w="9525">
+              <a14:hiddenLine xmlns="" xmlns:a14="http://schemas.microsoft.com/office/drawing/2010/main" w="9525">
                 <a:solidFill>
                   <a:schemeClr val="tx1"/>
                 </a:solidFill>
@@ -8655,7 +8609,7 @@
               </a14:hiddenLine>
             </a:ext>
             <a:ext uri="{AF507438-7753-43e0-B8FC-AC1667EBCBE1}">
-              <a14:hiddenEffects xmlns:a14="http://schemas.microsoft.com/office/drawing/2010/main" xmlns="">
+              <a14:hiddenEffects xmlns="" xmlns:a14="http://schemas.microsoft.com/office/drawing/2010/main">
                 <a:effectLst>
                   <a:outerShdw blurRad="63500" dist="38099" dir="2700000" algn="ctr" rotWithShape="0">
                     <a:schemeClr val="bg2">
@@ -8735,7 +8689,7 @@
           <a:effectLst/>
           <a:extLst>
             <a:ext uri="{91240B29-F687-4f45-9708-019B960494DF}">
-              <a14:hiddenLine xmlns:a14="http://schemas.microsoft.com/office/drawing/2010/main" xmlns="" w="12700">
+              <a14:hiddenLine xmlns="" xmlns:a14="http://schemas.microsoft.com/office/drawing/2010/main" w="12700">
                 <a:solidFill>
                   <a:schemeClr val="tx1"/>
                 </a:solidFill>
@@ -8745,7 +8699,7 @@
               </a14:hiddenLine>
             </a:ext>
             <a:ext uri="{AF507438-7753-43e0-B8FC-AC1667EBCBE1}">
-              <a14:hiddenEffects xmlns:a14="http://schemas.microsoft.com/office/drawing/2010/main" xmlns="">
+              <a14:hiddenEffects xmlns="" xmlns:a14="http://schemas.microsoft.com/office/drawing/2010/main">
                 <a:effectLst>
                   <a:outerShdw blurRad="63500" dist="38099" dir="2700000" algn="ctr" rotWithShape="0">
                     <a:schemeClr val="bg2">
@@ -8795,7 +8749,7 @@
           <a:noFill/>
           <a:extLst>
             <a:ext uri="{909E8E84-426E-40dd-AFC4-6F175D3DCCD1}">
-              <a14:hiddenFill xmlns:a14="http://schemas.microsoft.com/office/drawing/2010/main" xmlns="">
+              <a14:hiddenFill xmlns="" xmlns:a14="http://schemas.microsoft.com/office/drawing/2010/main">
                 <a:solidFill>
                   <a:srgbClr val="FFFFFF"/>
                 </a:solidFill>
@@ -8845,7 +8799,7 @@
             <a:fld id="{57692078-8440-4634-AA14-DA8F1C007F6E}" type="datetime1">
               <a:rPr lang="en-US" altLang="zh-CN" smtClean="0"/>
               <a:pPr/>
-              <a:t>8/30/18</a:t>
+              <a:t>9/6/18</a:t>
             </a:fld>
             <a:endParaRPr lang="en-US"/>
           </a:p>
@@ -9054,14 +9008,14 @@
           <a:effectLst/>
           <a:extLst>
             <a:ext uri="{909E8E84-426E-40dd-AFC4-6F175D3DCCD1}">
-              <a14:hiddenFill xmlns:a14="http://schemas.microsoft.com/office/drawing/2010/main" xmlns="">
+              <a14:hiddenFill xmlns="" xmlns:a14="http://schemas.microsoft.com/office/drawing/2010/main">
                 <a:solidFill>
                   <a:schemeClr val="accent1"/>
                 </a:solidFill>
               </a14:hiddenFill>
             </a:ext>
             <a:ext uri="{91240B29-F687-4f45-9708-019B960494DF}">
-              <a14:hiddenLine xmlns:a14="http://schemas.microsoft.com/office/drawing/2010/main" xmlns="" w="9525">
+              <a14:hiddenLine xmlns="" xmlns:a14="http://schemas.microsoft.com/office/drawing/2010/main" w="9525">
                 <a:solidFill>
                   <a:schemeClr val="tx1"/>
                 </a:solidFill>
@@ -9071,7 +9025,7 @@
               </a14:hiddenLine>
             </a:ext>
             <a:ext uri="{AF507438-7753-43e0-B8FC-AC1667EBCBE1}">
-              <a14:hiddenEffects xmlns:a14="http://schemas.microsoft.com/office/drawing/2010/main" xmlns="">
+              <a14:hiddenEffects xmlns="" xmlns:a14="http://schemas.microsoft.com/office/drawing/2010/main">
                 <a:effectLst>
                   <a:outerShdw blurRad="63500" dist="38099" dir="2700000" algn="ctr" rotWithShape="0">
                     <a:schemeClr val="bg2">
@@ -9130,14 +9084,14 @@
           <a:effectLst/>
           <a:extLst>
             <a:ext uri="{909E8E84-426E-40dd-AFC4-6F175D3DCCD1}">
-              <a14:hiddenFill xmlns:a14="http://schemas.microsoft.com/office/drawing/2010/main" xmlns="">
+              <a14:hiddenFill xmlns="" xmlns:a14="http://schemas.microsoft.com/office/drawing/2010/main">
                 <a:solidFill>
                   <a:schemeClr val="accent1"/>
                 </a:solidFill>
               </a14:hiddenFill>
             </a:ext>
             <a:ext uri="{91240B29-F687-4f45-9708-019B960494DF}">
-              <a14:hiddenLine xmlns:a14="http://schemas.microsoft.com/office/drawing/2010/main" xmlns="" w="9525">
+              <a14:hiddenLine xmlns="" xmlns:a14="http://schemas.microsoft.com/office/drawing/2010/main" w="9525">
                 <a:solidFill>
                   <a:schemeClr val="tx1"/>
                 </a:solidFill>
@@ -9147,7 +9101,7 @@
               </a14:hiddenLine>
             </a:ext>
             <a:ext uri="{AF507438-7753-43e0-B8FC-AC1667EBCBE1}">
-              <a14:hiddenEffects xmlns:a14="http://schemas.microsoft.com/office/drawing/2010/main" xmlns="">
+              <a14:hiddenEffects xmlns="" xmlns:a14="http://schemas.microsoft.com/office/drawing/2010/main">
                 <a:effectLst>
                   <a:outerShdw blurRad="63500" dist="38099" dir="2700000" algn="ctr" rotWithShape="0">
                     <a:schemeClr val="bg2">
@@ -9205,7 +9159,7 @@
           <a:noFill/>
           <a:extLst>
             <a:ext uri="{909E8E84-426E-40dd-AFC4-6F175D3DCCD1}">
-              <a14:hiddenFill xmlns:a14="http://schemas.microsoft.com/office/drawing/2010/main" xmlns="">
+              <a14:hiddenFill xmlns="" xmlns:a14="http://schemas.microsoft.com/office/drawing/2010/main">
                 <a:solidFill>
                   <a:srgbClr val="FFFFFF"/>
                 </a:solidFill>
@@ -9255,7 +9209,7 @@
             <a:fld id="{C4002678-DBD4-46A7-A69A-EC6D7F74FCE9}" type="datetime1">
               <a:rPr lang="en-US" altLang="zh-CN" smtClean="0"/>
               <a:pPr/>
-              <a:t>8/30/18</a:t>
+              <a:t>9/6/18</a:t>
             </a:fld>
             <a:endParaRPr lang="en-US"/>
           </a:p>
@@ -9578,7 +9532,7 @@
           <a:p>
             <a:fld id="{52ABBB52-D186-264B-B6B8-688F4CAB6400}" type="datetime1">
               <a:rPr lang="en-US" smtClean="0"/>
-              <a:t>8/30/18</a:t>
+              <a:t>9/6/18</a:t>
             </a:fld>
             <a:endParaRPr lang="en-US"/>
           </a:p>
@@ -9829,7 +9783,7 @@
           <a:p>
             <a:fld id="{C94E3762-5D8A-3A4E-B6DB-2FE9B8FB070F}" type="datetime1">
               <a:rPr lang="en-US" smtClean="0"/>
-              <a:t>8/30/18</a:t>
+              <a:t>9/6/18</a:t>
             </a:fld>
             <a:endParaRPr lang="en-US"/>
           </a:p>
@@ -10099,7 +10053,7 @@
           <a:p>
             <a:fld id="{C94E3762-5D8A-3A4E-B6DB-2FE9B8FB070F}" type="datetime1">
               <a:rPr lang="en-US" smtClean="0"/>
-              <a:t>8/30/18</a:t>
+              <a:t>9/6/18</a:t>
             </a:fld>
             <a:endParaRPr lang="en-US"/>
           </a:p>
@@ -10349,7 +10303,7 @@
           <a:p>
             <a:fld id="{C94E3762-5D8A-3A4E-B6DB-2FE9B8FB070F}" type="datetime1">
               <a:rPr lang="en-US" smtClean="0"/>
-              <a:t>8/30/18</a:t>
+              <a:t>9/6/18</a:t>
             </a:fld>
             <a:endParaRPr lang="en-US"/>
           </a:p>
@@ -10702,7 +10656,7 @@
           <a:p>
             <a:fld id="{C94E3762-5D8A-3A4E-B6DB-2FE9B8FB070F}" type="datetime1">
               <a:rPr lang="en-US" smtClean="0"/>
-              <a:t>8/30/18</a:t>
+              <a:t>9/6/18</a:t>
             </a:fld>
             <a:endParaRPr lang="en-US"/>
           </a:p>
@@ -10805,14 +10759,14 @@
           <a:effectLst/>
           <a:extLst>
             <a:ext uri="{909E8E84-426E-40dd-AFC4-6F175D3DCCD1}">
-              <a14:hiddenFill xmlns:a14="http://schemas.microsoft.com/office/drawing/2010/main" xmlns="">
+              <a14:hiddenFill xmlns="" xmlns:a14="http://schemas.microsoft.com/office/drawing/2010/main">
                 <a:solidFill>
                   <a:schemeClr val="accent1"/>
                 </a:solidFill>
               </a14:hiddenFill>
             </a:ext>
             <a:ext uri="{91240B29-F687-4f45-9708-019B960494DF}">
-              <a14:hiddenLine xmlns:a14="http://schemas.microsoft.com/office/drawing/2010/main" xmlns="" w="9525">
+              <a14:hiddenLine xmlns="" xmlns:a14="http://schemas.microsoft.com/office/drawing/2010/main" w="9525">
                 <a:solidFill>
                   <a:schemeClr val="tx1"/>
                 </a:solidFill>
@@ -10822,7 +10776,7 @@
               </a14:hiddenLine>
             </a:ext>
             <a:ext uri="{AF507438-7753-43e0-B8FC-AC1667EBCBE1}">
-              <a14:hiddenEffects xmlns:a14="http://schemas.microsoft.com/office/drawing/2010/main" xmlns="">
+              <a14:hiddenEffects xmlns="" xmlns:a14="http://schemas.microsoft.com/office/drawing/2010/main">
                 <a:effectLst>
                   <a:outerShdw blurRad="63500" dist="38099" dir="2700000" algn="ctr" rotWithShape="0">
                     <a:schemeClr val="bg2">
@@ -10889,7 +10843,7 @@
           <a:noFill/>
           <a:extLst>
             <a:ext uri="{909E8E84-426E-40dd-AFC4-6F175D3DCCD1}">
-              <a14:hiddenFill xmlns:a14="http://schemas.microsoft.com/office/drawing/2010/main" xmlns="">
+              <a14:hiddenFill xmlns="" xmlns:a14="http://schemas.microsoft.com/office/drawing/2010/main">
                 <a:solidFill>
                   <a:srgbClr val="FFFFFF"/>
                 </a:solidFill>
@@ -11128,7 +11082,7 @@
           <a:p>
             <a:fld id="{C94E3762-5D8A-3A4E-B6DB-2FE9B8FB070F}" type="datetime1">
               <a:rPr lang="en-US" smtClean="0"/>
-              <a:t>8/30/18</a:t>
+              <a:t>9/6/18</a:t>
             </a:fld>
             <a:endParaRPr lang="en-US"/>
           </a:p>
@@ -11235,7 +11189,7 @@
           <a:noFill/>
           <a:extLst>
             <a:ext uri="{909E8E84-426E-40dd-AFC4-6F175D3DCCD1}">
-              <a14:hiddenFill xmlns:a14="http://schemas.microsoft.com/office/drawing/2010/main" xmlns="">
+              <a14:hiddenFill xmlns="" xmlns:a14="http://schemas.microsoft.com/office/drawing/2010/main">
                 <a:solidFill>
                   <a:srgbClr val="FFFFFF"/>
                 </a:solidFill>
@@ -11267,14 +11221,14 @@
           <a:effectLst/>
           <a:extLst>
             <a:ext uri="{909E8E84-426E-40dd-AFC4-6F175D3DCCD1}">
-              <a14:hiddenFill xmlns:a14="http://schemas.microsoft.com/office/drawing/2010/main" xmlns="">
+              <a14:hiddenFill xmlns="" xmlns:a14="http://schemas.microsoft.com/office/drawing/2010/main">
                 <a:solidFill>
                   <a:schemeClr val="accent1"/>
                 </a:solidFill>
               </a14:hiddenFill>
             </a:ext>
             <a:ext uri="{91240B29-F687-4f45-9708-019B960494DF}">
-              <a14:hiddenLine xmlns:a14="http://schemas.microsoft.com/office/drawing/2010/main" xmlns="" w="9525">
+              <a14:hiddenLine xmlns="" xmlns:a14="http://schemas.microsoft.com/office/drawing/2010/main" w="9525">
                 <a:solidFill>
                   <a:schemeClr val="tx1"/>
                 </a:solidFill>
@@ -11284,7 +11238,7 @@
               </a14:hiddenLine>
             </a:ext>
             <a:ext uri="{AF507438-7753-43e0-B8FC-AC1667EBCBE1}">
-              <a14:hiddenEffects xmlns:a14="http://schemas.microsoft.com/office/drawing/2010/main" xmlns="">
+              <a14:hiddenEffects xmlns="" xmlns:a14="http://schemas.microsoft.com/office/drawing/2010/main">
                 <a:effectLst>
                   <a:outerShdw blurRad="63500" dist="38099" dir="2700000" algn="ctr" rotWithShape="0">
                     <a:schemeClr val="bg2">
@@ -11628,14 +11582,14 @@
           <a:effectLst/>
           <a:extLst>
             <a:ext uri="{909E8E84-426E-40dd-AFC4-6F175D3DCCD1}">
-              <a14:hiddenFill xmlns:a14="http://schemas.microsoft.com/office/drawing/2010/main" xmlns="">
+              <a14:hiddenFill xmlns="" xmlns:a14="http://schemas.microsoft.com/office/drawing/2010/main">
                 <a:solidFill>
                   <a:schemeClr val="accent1"/>
                 </a:solidFill>
               </a14:hiddenFill>
             </a:ext>
             <a:ext uri="{91240B29-F687-4f45-9708-019B960494DF}">
-              <a14:hiddenLine xmlns:a14="http://schemas.microsoft.com/office/drawing/2010/main" xmlns="" w="9525">
+              <a14:hiddenLine xmlns="" xmlns:a14="http://schemas.microsoft.com/office/drawing/2010/main" w="9525">
                 <a:solidFill>
                   <a:schemeClr val="tx1"/>
                 </a:solidFill>
@@ -11645,7 +11599,7 @@
               </a14:hiddenLine>
             </a:ext>
             <a:ext uri="{AF507438-7753-43e0-B8FC-AC1667EBCBE1}">
-              <a14:hiddenEffects xmlns:a14="http://schemas.microsoft.com/office/drawing/2010/main" xmlns="">
+              <a14:hiddenEffects xmlns="" xmlns:a14="http://schemas.microsoft.com/office/drawing/2010/main">
                 <a:effectLst>
                   <a:outerShdw blurRad="63500" dist="38099" dir="2700000" algn="ctr" rotWithShape="0">
                     <a:schemeClr val="bg2">
@@ -11704,14 +11658,14 @@
           <a:effectLst/>
           <a:extLst>
             <a:ext uri="{909E8E84-426E-40dd-AFC4-6F175D3DCCD1}">
-              <a14:hiddenFill xmlns:a14="http://schemas.microsoft.com/office/drawing/2010/main" xmlns="">
+              <a14:hiddenFill xmlns="" xmlns:a14="http://schemas.microsoft.com/office/drawing/2010/main">
                 <a:solidFill>
                   <a:schemeClr val="accent1"/>
                 </a:solidFill>
               </a14:hiddenFill>
             </a:ext>
             <a:ext uri="{91240B29-F687-4f45-9708-019B960494DF}">
-              <a14:hiddenLine xmlns:a14="http://schemas.microsoft.com/office/drawing/2010/main" xmlns="" w="9525">
+              <a14:hiddenLine xmlns="" xmlns:a14="http://schemas.microsoft.com/office/drawing/2010/main" w="9525">
                 <a:solidFill>
                   <a:schemeClr val="tx1"/>
                 </a:solidFill>
@@ -11721,7 +11675,7 @@
               </a14:hiddenLine>
             </a:ext>
             <a:ext uri="{AF507438-7753-43e0-B8FC-AC1667EBCBE1}">
-              <a14:hiddenEffects xmlns:a14="http://schemas.microsoft.com/office/drawing/2010/main" xmlns="">
+              <a14:hiddenEffects xmlns="" xmlns:a14="http://schemas.microsoft.com/office/drawing/2010/main">
                 <a:effectLst>
                   <a:outerShdw blurRad="63500" dist="38099" dir="2700000" algn="ctr" rotWithShape="0">
                     <a:schemeClr val="bg2">
@@ -11788,7 +11742,7 @@
           <a:noFill/>
           <a:extLst>
             <a:ext uri="{909E8E84-426E-40dd-AFC4-6F175D3DCCD1}">
-              <a14:hiddenFill xmlns:a14="http://schemas.microsoft.com/office/drawing/2010/main" xmlns="">
+              <a14:hiddenFill xmlns="" xmlns:a14="http://schemas.microsoft.com/office/drawing/2010/main">
                 <a:solidFill>
                   <a:srgbClr val="FFFFFF"/>
                 </a:solidFill>
@@ -11838,7 +11792,7 @@
             <a:fld id="{7A583AE1-6BA9-459D-8E25-FA2670ABE814}" type="datetime1">
               <a:rPr lang="en-US" altLang="zh-CN" smtClean="0"/>
               <a:pPr/>
-              <a:t>8/30/18</a:t>
+              <a:t>9/6/18</a:t>
             </a:fld>
             <a:endParaRPr lang="en-US"/>
           </a:p>
@@ -12008,7 +11962,7 @@
           <a:p>
             <a:fld id="{52ABBB52-D186-264B-B6B8-688F4CAB6400}" type="datetime1">
               <a:rPr lang="en-US" smtClean="0"/>
-              <a:t>8/30/18</a:t>
+              <a:t>9/6/18</a:t>
             </a:fld>
             <a:endParaRPr lang="en-US"/>
           </a:p>
@@ -12327,7 +12281,7 @@
           <a:p>
             <a:fld id="{C94E3762-5D8A-3A4E-B6DB-2FE9B8FB070F}" type="datetime1">
               <a:rPr lang="en-US" smtClean="0"/>
-              <a:t>8/30/18</a:t>
+              <a:t>9/6/18</a:t>
             </a:fld>
             <a:endParaRPr lang="en-US"/>
           </a:p>
@@ -12396,14 +12350,14 @@
           <a:effectLst/>
           <a:extLst>
             <a:ext uri="{909E8E84-426E-40dd-AFC4-6F175D3DCCD1}">
-              <a14:hiddenFill xmlns:a14="http://schemas.microsoft.com/office/drawing/2010/main" xmlns="">
+              <a14:hiddenFill xmlns="" xmlns:a14="http://schemas.microsoft.com/office/drawing/2010/main">
                 <a:solidFill>
                   <a:schemeClr val="accent1"/>
                 </a:solidFill>
               </a14:hiddenFill>
             </a:ext>
             <a:ext uri="{91240B29-F687-4f45-9708-019B960494DF}">
-              <a14:hiddenLine xmlns:a14="http://schemas.microsoft.com/office/drawing/2010/main" xmlns="" w="9525">
+              <a14:hiddenLine xmlns="" xmlns:a14="http://schemas.microsoft.com/office/drawing/2010/main" w="9525">
                 <a:solidFill>
                   <a:schemeClr val="tx1"/>
                 </a:solidFill>
@@ -12413,7 +12367,7 @@
               </a14:hiddenLine>
             </a:ext>
             <a:ext uri="{AF507438-7753-43e0-B8FC-AC1667EBCBE1}">
-              <a14:hiddenEffects xmlns:a14="http://schemas.microsoft.com/office/drawing/2010/main" xmlns="">
+              <a14:hiddenEffects xmlns="" xmlns:a14="http://schemas.microsoft.com/office/drawing/2010/main">
                 <a:effectLst>
                   <a:outerShdw blurRad="63500" dist="38099" dir="2700000" algn="ctr" rotWithShape="0">
                     <a:schemeClr val="bg2">
@@ -12462,14 +12416,14 @@
           <a:effectLst/>
           <a:extLst>
             <a:ext uri="{909E8E84-426E-40dd-AFC4-6F175D3DCCD1}">
-              <a14:hiddenFill xmlns:a14="http://schemas.microsoft.com/office/drawing/2010/main" xmlns="">
+              <a14:hiddenFill xmlns="" xmlns:a14="http://schemas.microsoft.com/office/drawing/2010/main">
                 <a:solidFill>
                   <a:schemeClr val="accent1"/>
                 </a:solidFill>
               </a14:hiddenFill>
             </a:ext>
             <a:ext uri="{91240B29-F687-4f45-9708-019B960494DF}">
-              <a14:hiddenLine xmlns:a14="http://schemas.microsoft.com/office/drawing/2010/main" xmlns="" w="9525">
+              <a14:hiddenLine xmlns="" xmlns:a14="http://schemas.microsoft.com/office/drawing/2010/main" w="9525">
                 <a:solidFill>
                   <a:schemeClr val="tx1"/>
                 </a:solidFill>
@@ -12479,7 +12433,7 @@
               </a14:hiddenLine>
             </a:ext>
             <a:ext uri="{AF507438-7753-43e0-B8FC-AC1667EBCBE1}">
-              <a14:hiddenEffects xmlns:a14="http://schemas.microsoft.com/office/drawing/2010/main" xmlns="">
+              <a14:hiddenEffects xmlns="" xmlns:a14="http://schemas.microsoft.com/office/drawing/2010/main">
                 <a:effectLst>
                   <a:outerShdw blurRad="63500" dist="38099" dir="2700000" algn="ctr" rotWithShape="0">
                     <a:schemeClr val="bg2">
@@ -12551,7 +12505,7 @@
           <a:noFill/>
           <a:extLst>
             <a:ext uri="{909E8E84-426E-40dd-AFC4-6F175D3DCCD1}">
-              <a14:hiddenFill xmlns:a14="http://schemas.microsoft.com/office/drawing/2010/main" xmlns="">
+              <a14:hiddenFill xmlns="" xmlns:a14="http://schemas.microsoft.com/office/drawing/2010/main">
                 <a:solidFill>
                   <a:srgbClr val="FFFFFF"/>
                 </a:solidFill>
@@ -12601,7 +12555,7 @@
             <a:fld id="{EE327DA9-9189-45F6-B70B-9298B9D0B307}" type="datetime1">
               <a:rPr lang="en-US" altLang="zh-CN" smtClean="0"/>
               <a:pPr/>
-              <a:t>8/30/18</a:t>
+              <a:t>9/6/18</a:t>
             </a:fld>
             <a:endParaRPr lang="en-US"/>
           </a:p>
@@ -12796,7 +12750,7 @@
           <a:p>
             <a:fld id="{52ABBB52-D186-264B-B6B8-688F4CAB6400}" type="datetime1">
               <a:rPr lang="en-US" smtClean="0"/>
-              <a:t>8/30/18</a:t>
+              <a:t>9/6/18</a:t>
             </a:fld>
             <a:endParaRPr lang="en-US"/>
           </a:p>
@@ -13306,7 +13260,7 @@
           <a:p>
             <a:fld id="{C94E3762-5D8A-3A4E-B6DB-2FE9B8FB070F}" type="datetime1">
               <a:rPr lang="en-US" smtClean="0"/>
-              <a:t>8/30/18</a:t>
+              <a:t>9/6/18</a:t>
             </a:fld>
             <a:endParaRPr lang="en-US"/>
           </a:p>
@@ -13934,14 +13888,14 @@
           <a:effectLst/>
           <a:extLst>
             <a:ext uri="{909E8E84-426E-40dd-AFC4-6F175D3DCCD1}">
-              <a14:hiddenFill xmlns:a14="http://schemas.microsoft.com/office/drawing/2010/main" xmlns="">
+              <a14:hiddenFill xmlns="" xmlns:a14="http://schemas.microsoft.com/office/drawing/2010/main">
                 <a:solidFill>
                   <a:schemeClr val="accent1"/>
                 </a:solidFill>
               </a14:hiddenFill>
             </a:ext>
             <a:ext uri="{91240B29-F687-4f45-9708-019B960494DF}">
-              <a14:hiddenLine xmlns:a14="http://schemas.microsoft.com/office/drawing/2010/main" xmlns="" w="9525">
+              <a14:hiddenLine xmlns="" xmlns:a14="http://schemas.microsoft.com/office/drawing/2010/main" w="9525">
                 <a:solidFill>
                   <a:schemeClr val="tx1"/>
                 </a:solidFill>
@@ -13951,7 +13905,7 @@
               </a14:hiddenLine>
             </a:ext>
             <a:ext uri="{AF507438-7753-43e0-B8FC-AC1667EBCBE1}">
-              <a14:hiddenEffects xmlns:a14="http://schemas.microsoft.com/office/drawing/2010/main" xmlns="">
+              <a14:hiddenEffects xmlns="" xmlns:a14="http://schemas.microsoft.com/office/drawing/2010/main">
                 <a:effectLst>
                   <a:outerShdw blurRad="63500" dist="38099" dir="2700000" algn="ctr" rotWithShape="0">
                     <a:schemeClr val="bg2">
@@ -14003,14 +13957,14 @@
           <a:effectLst/>
           <a:extLst>
             <a:ext uri="{909E8E84-426E-40dd-AFC4-6F175D3DCCD1}">
-              <a14:hiddenFill xmlns:a14="http://schemas.microsoft.com/office/drawing/2010/main" xmlns="">
+              <a14:hiddenFill xmlns="" xmlns:a14="http://schemas.microsoft.com/office/drawing/2010/main">
                 <a:solidFill>
                   <a:schemeClr val="accent1"/>
                 </a:solidFill>
               </a14:hiddenFill>
             </a:ext>
             <a:ext uri="{91240B29-F687-4f45-9708-019B960494DF}">
-              <a14:hiddenLine xmlns:a14="http://schemas.microsoft.com/office/drawing/2010/main" xmlns="" w="9525">
+              <a14:hiddenLine xmlns="" xmlns:a14="http://schemas.microsoft.com/office/drawing/2010/main" w="9525">
                 <a:solidFill>
                   <a:schemeClr val="tx1"/>
                 </a:solidFill>
@@ -14020,7 +13974,7 @@
               </a14:hiddenLine>
             </a:ext>
             <a:ext uri="{AF507438-7753-43e0-B8FC-AC1667EBCBE1}">
-              <a14:hiddenEffects xmlns:a14="http://schemas.microsoft.com/office/drawing/2010/main" xmlns="">
+              <a14:hiddenEffects xmlns="" xmlns:a14="http://schemas.microsoft.com/office/drawing/2010/main">
                 <a:effectLst>
                   <a:outerShdw blurRad="63500" dist="38099" dir="2700000" algn="ctr" rotWithShape="0">
                     <a:schemeClr val="bg2">
@@ -14088,7 +14042,7 @@
           <a:noFill/>
           <a:extLst>
             <a:ext uri="{909E8E84-426E-40dd-AFC4-6F175D3DCCD1}">
-              <a14:hiddenFill xmlns:a14="http://schemas.microsoft.com/office/drawing/2010/main" xmlns="">
+              <a14:hiddenFill xmlns="" xmlns:a14="http://schemas.microsoft.com/office/drawing/2010/main">
                 <a:solidFill>
                   <a:srgbClr val="FFFFFF"/>
                 </a:solidFill>
@@ -14138,7 +14092,7 @@
             <a:fld id="{1D09B497-24AE-404F-A51A-78F749791726}" type="datetime1">
               <a:rPr lang="en-US" altLang="zh-CN" smtClean="0"/>
               <a:pPr/>
-              <a:t>8/30/18</a:t>
+              <a:t>9/6/18</a:t>
             </a:fld>
             <a:endParaRPr lang="en-US"/>
           </a:p>
@@ -14438,7 +14392,7 @@
           <a:p>
             <a:fld id="{52ABBB52-D186-264B-B6B8-688F4CAB6400}" type="datetime1">
               <a:rPr lang="en-US" smtClean="0"/>
-              <a:t>8/30/18</a:t>
+              <a:t>9/6/18</a:t>
             </a:fld>
             <a:endParaRPr lang="en-US"/>
           </a:p>
@@ -14576,14 +14530,14 @@
           <a:effectLst/>
           <a:extLst>
             <a:ext uri="{909E8E84-426E-40dd-AFC4-6F175D3DCCD1}">
-              <a14:hiddenFill xmlns:a14="http://schemas.microsoft.com/office/drawing/2010/main" xmlns="">
+              <a14:hiddenFill xmlns="" xmlns:a14="http://schemas.microsoft.com/office/drawing/2010/main">
                 <a:solidFill>
                   <a:schemeClr val="accent1"/>
                 </a:solidFill>
               </a14:hiddenFill>
             </a:ext>
             <a:ext uri="{91240B29-F687-4f45-9708-019B960494DF}">
-              <a14:hiddenLine xmlns:a14="http://schemas.microsoft.com/office/drawing/2010/main" xmlns="" w="9525">
+              <a14:hiddenLine xmlns="" xmlns:a14="http://schemas.microsoft.com/office/drawing/2010/main" w="9525">
                 <a:solidFill>
                   <a:schemeClr val="tx1"/>
                 </a:solidFill>
@@ -14593,7 +14547,7 @@
               </a14:hiddenLine>
             </a:ext>
             <a:ext uri="{AF507438-7753-43e0-B8FC-AC1667EBCBE1}">
-              <a14:hiddenEffects xmlns:a14="http://schemas.microsoft.com/office/drawing/2010/main" xmlns="">
+              <a14:hiddenEffects xmlns="" xmlns:a14="http://schemas.microsoft.com/office/drawing/2010/main">
                 <a:effectLst>
                   <a:outerShdw blurRad="63500" dist="38099" dir="2700000" algn="ctr" rotWithShape="0">
                     <a:schemeClr val="bg2">
@@ -14659,14 +14613,14 @@
           <a:effectLst/>
           <a:extLst>
             <a:ext uri="{909E8E84-426E-40dd-AFC4-6F175D3DCCD1}">
-              <a14:hiddenFill xmlns:a14="http://schemas.microsoft.com/office/drawing/2010/main" xmlns="">
+              <a14:hiddenFill xmlns="" xmlns:a14="http://schemas.microsoft.com/office/drawing/2010/main">
                 <a:solidFill>
                   <a:schemeClr val="accent1"/>
                 </a:solidFill>
               </a14:hiddenFill>
             </a:ext>
             <a:ext uri="{91240B29-F687-4f45-9708-019B960494DF}">
-              <a14:hiddenLine xmlns:a14="http://schemas.microsoft.com/office/drawing/2010/main" xmlns="" w="9525">
+              <a14:hiddenLine xmlns="" xmlns:a14="http://schemas.microsoft.com/office/drawing/2010/main" w="9525">
                 <a:solidFill>
                   <a:schemeClr val="tx1"/>
                 </a:solidFill>
@@ -14676,7 +14630,7 @@
               </a14:hiddenLine>
             </a:ext>
             <a:ext uri="{AF507438-7753-43e0-B8FC-AC1667EBCBE1}">
-              <a14:hiddenEffects xmlns:a14="http://schemas.microsoft.com/office/drawing/2010/main" xmlns="">
+              <a14:hiddenEffects xmlns="" xmlns:a14="http://schemas.microsoft.com/office/drawing/2010/main">
                 <a:effectLst>
                   <a:outerShdw blurRad="63500" dist="38099" dir="2700000" algn="ctr" rotWithShape="0">
                     <a:schemeClr val="bg2">
@@ -14737,7 +14691,7 @@
           <a:noFill/>
           <a:extLst>
             <a:ext uri="{909E8E84-426E-40dd-AFC4-6F175D3DCCD1}">
-              <a14:hiddenFill xmlns:a14="http://schemas.microsoft.com/office/drawing/2010/main" xmlns="">
+              <a14:hiddenFill xmlns="" xmlns:a14="http://schemas.microsoft.com/office/drawing/2010/main">
                 <a:solidFill>
                   <a:srgbClr val="FFFFFF"/>
                 </a:solidFill>
@@ -14787,7 +14741,7 @@
             <a:fld id="{F7344740-4E1B-4E0E-8BB9-4615064E059E}" type="datetime1">
               <a:rPr lang="en-US" altLang="zh-CN" smtClean="0"/>
               <a:pPr/>
-              <a:t>8/30/18</a:t>
+              <a:t>9/6/18</a:t>
             </a:fld>
             <a:endParaRPr lang="en-US"/>
           </a:p>
@@ -14969,14 +14923,14 @@
           <a:effectLst/>
           <a:extLst>
             <a:ext uri="{909E8E84-426E-40dd-AFC4-6F175D3DCCD1}">
-              <a14:hiddenFill xmlns:a14="http://schemas.microsoft.com/office/drawing/2010/main" xmlns="">
+              <a14:hiddenFill xmlns="" xmlns:a14="http://schemas.microsoft.com/office/drawing/2010/main">
                 <a:solidFill>
                   <a:schemeClr val="accent1"/>
                 </a:solidFill>
               </a14:hiddenFill>
             </a:ext>
             <a:ext uri="{91240B29-F687-4f45-9708-019B960494DF}">
-              <a14:hiddenLine xmlns:a14="http://schemas.microsoft.com/office/drawing/2010/main" xmlns="" w="9525">
+              <a14:hiddenLine xmlns="" xmlns:a14="http://schemas.microsoft.com/office/drawing/2010/main" w="9525">
                 <a:solidFill>
                   <a:schemeClr val="tx1"/>
                 </a:solidFill>
@@ -14986,7 +14940,7 @@
               </a14:hiddenLine>
             </a:ext>
             <a:ext uri="{AF507438-7753-43e0-B8FC-AC1667EBCBE1}">
-              <a14:hiddenEffects xmlns:a14="http://schemas.microsoft.com/office/drawing/2010/main" xmlns="">
+              <a14:hiddenEffects xmlns="" xmlns:a14="http://schemas.microsoft.com/office/drawing/2010/main">
                 <a:effectLst>
                   <a:outerShdw blurRad="63500" dist="38099" dir="2700000" algn="ctr" rotWithShape="0">
                     <a:schemeClr val="bg2">
@@ -15062,14 +15016,14 @@
           <a:effectLst/>
           <a:extLst>
             <a:ext uri="{909E8E84-426E-40dd-AFC4-6F175D3DCCD1}">
-              <a14:hiddenFill xmlns:a14="http://schemas.microsoft.com/office/drawing/2010/main" xmlns="">
+              <a14:hiddenFill xmlns="" xmlns:a14="http://schemas.microsoft.com/office/drawing/2010/main">
                 <a:solidFill>
                   <a:schemeClr val="accent1"/>
                 </a:solidFill>
               </a14:hiddenFill>
             </a:ext>
             <a:ext uri="{91240B29-F687-4f45-9708-019B960494DF}">
-              <a14:hiddenLine xmlns:a14="http://schemas.microsoft.com/office/drawing/2010/main" xmlns="" w="9525">
+              <a14:hiddenLine xmlns="" xmlns:a14="http://schemas.microsoft.com/office/drawing/2010/main" w="9525">
                 <a:solidFill>
                   <a:schemeClr val="tx1"/>
                 </a:solidFill>
@@ -15079,7 +15033,7 @@
               </a14:hiddenLine>
             </a:ext>
             <a:ext uri="{AF507438-7753-43e0-B8FC-AC1667EBCBE1}">
-              <a14:hiddenEffects xmlns:a14="http://schemas.microsoft.com/office/drawing/2010/main" xmlns="">
+              <a14:hiddenEffects xmlns="" xmlns:a14="http://schemas.microsoft.com/office/drawing/2010/main">
                 <a:effectLst>
                   <a:outerShdw blurRad="63500" dist="38099" dir="2700000" algn="ctr" rotWithShape="0">
                     <a:schemeClr val="bg2">
@@ -15146,7 +15100,7 @@
           <a:noFill/>
           <a:extLst>
             <a:ext uri="{909E8E84-426E-40dd-AFC4-6F175D3DCCD1}">
-              <a14:hiddenFill xmlns:a14="http://schemas.microsoft.com/office/drawing/2010/main" xmlns="">
+              <a14:hiddenFill xmlns="" xmlns:a14="http://schemas.microsoft.com/office/drawing/2010/main">
                 <a:solidFill>
                   <a:srgbClr val="FFFFFF"/>
                 </a:solidFill>
@@ -15196,7 +15150,7 @@
             <a:fld id="{642785E2-B6EA-4B99-8E58-36926CD8A5DB}" type="datetime1">
               <a:rPr lang="en-US" altLang="zh-CN" smtClean="0"/>
               <a:pPr/>
-              <a:t>8/30/18</a:t>
+              <a:t>9/6/18</a:t>
             </a:fld>
             <a:endParaRPr lang="en-US"/>
           </a:p>
